--- a/banner.pptx
+++ b/banner.pptx
@@ -53,7 +53,7 @@
       </p:grpSpPr>
       <p:sp>
         <p:nvSpPr>
-          <p:cNvPr id="23" name="PlaceHolder 1"/>
+          <p:cNvPr id="21" name="PlaceHolder 1"/>
           <p:cNvSpPr>
             <a:spLocks noGrp="1"/>
           </p:cNvSpPr>
@@ -90,7 +90,7 @@
       </p:sp>
       <p:sp>
         <p:nvSpPr>
-          <p:cNvPr id="24" name="PlaceHolder 2"/>
+          <p:cNvPr id="22" name="PlaceHolder 2"/>
           <p:cNvSpPr>
             <a:spLocks noGrp="1"/>
           </p:cNvSpPr>
@@ -126,7 +126,7 @@
       </p:sp>
       <p:sp>
         <p:nvSpPr>
-          <p:cNvPr id="25" name="PlaceHolder 3"/>
+          <p:cNvPr id="23" name="PlaceHolder 3"/>
           <p:cNvSpPr>
             <a:spLocks noGrp="1"/>
           </p:cNvSpPr>
@@ -184,7 +184,7 @@
       </p:grpSpPr>
       <p:sp>
         <p:nvSpPr>
-          <p:cNvPr id="26" name="PlaceHolder 1"/>
+          <p:cNvPr id="24" name="PlaceHolder 1"/>
           <p:cNvSpPr>
             <a:spLocks noGrp="1"/>
           </p:cNvSpPr>
@@ -221,7 +221,7 @@
       </p:sp>
       <p:sp>
         <p:nvSpPr>
-          <p:cNvPr id="27" name="PlaceHolder 2"/>
+          <p:cNvPr id="25" name="PlaceHolder 2"/>
           <p:cNvSpPr>
             <a:spLocks noGrp="1"/>
           </p:cNvSpPr>
@@ -257,7 +257,7 @@
       </p:sp>
       <p:sp>
         <p:nvSpPr>
-          <p:cNvPr id="28" name="PlaceHolder 3"/>
+          <p:cNvPr id="26" name="PlaceHolder 3"/>
           <p:cNvSpPr>
             <a:spLocks noGrp="1"/>
           </p:cNvSpPr>
@@ -293,7 +293,7 @@
       </p:sp>
       <p:sp>
         <p:nvSpPr>
-          <p:cNvPr id="29" name="PlaceHolder 4"/>
+          <p:cNvPr id="27" name="PlaceHolder 4"/>
           <p:cNvSpPr>
             <a:spLocks noGrp="1"/>
           </p:cNvSpPr>
@@ -329,7 +329,7 @@
       </p:sp>
       <p:sp>
         <p:nvSpPr>
-          <p:cNvPr id="30" name="PlaceHolder 5"/>
+          <p:cNvPr id="28" name="PlaceHolder 5"/>
           <p:cNvSpPr>
             <a:spLocks noGrp="1"/>
           </p:cNvSpPr>
@@ -387,7 +387,7 @@
       </p:grpSpPr>
       <p:sp>
         <p:nvSpPr>
-          <p:cNvPr id="31" name="PlaceHolder 1"/>
+          <p:cNvPr id="29" name="PlaceHolder 1"/>
           <p:cNvSpPr>
             <a:spLocks noGrp="1"/>
           </p:cNvSpPr>
@@ -424,7 +424,7 @@
       </p:sp>
       <p:sp>
         <p:nvSpPr>
-          <p:cNvPr id="32" name="PlaceHolder 2"/>
+          <p:cNvPr id="30" name="PlaceHolder 2"/>
           <p:cNvSpPr>
             <a:spLocks noGrp="1"/>
           </p:cNvSpPr>
@@ -460,7 +460,7 @@
       </p:sp>
       <p:sp>
         <p:nvSpPr>
-          <p:cNvPr id="33" name="PlaceHolder 3"/>
+          <p:cNvPr id="31" name="PlaceHolder 3"/>
           <p:cNvSpPr>
             <a:spLocks noGrp="1"/>
           </p:cNvSpPr>
@@ -496,7 +496,7 @@
       </p:sp>
       <p:pic>
         <p:nvPicPr>
-          <p:cNvPr id="34" name="" descr=""/>
+          <p:cNvPr id="32" name="" descr=""/>
           <p:cNvPicPr/>
           <p:nvPr/>
         </p:nvPicPr>
@@ -519,7 +519,7 @@
       </p:pic>
       <p:pic>
         <p:nvPicPr>
-          <p:cNvPr id="35" name="" descr=""/>
+          <p:cNvPr id="33" name="" descr=""/>
           <p:cNvPicPr/>
           <p:nvPr/>
         </p:nvPicPr>
@@ -564,7 +564,7 @@
       </p:grpSpPr>
       <p:sp>
         <p:nvSpPr>
-          <p:cNvPr id="2" name="PlaceHolder 1"/>
+          <p:cNvPr id="0" name="PlaceHolder 1"/>
           <p:cNvSpPr>
             <a:spLocks noGrp="1"/>
           </p:cNvSpPr>
@@ -601,7 +601,7 @@
       </p:sp>
       <p:sp>
         <p:nvSpPr>
-          <p:cNvPr id="3" name="PlaceHolder 2"/>
+          <p:cNvPr id="1" name="PlaceHolder 2"/>
           <p:cNvSpPr>
             <a:spLocks noGrp="1"/>
           </p:cNvSpPr>
@@ -660,7 +660,7 @@
       </p:grpSpPr>
       <p:sp>
         <p:nvSpPr>
-          <p:cNvPr id="4" name="PlaceHolder 1"/>
+          <p:cNvPr id="2" name="PlaceHolder 1"/>
           <p:cNvSpPr>
             <a:spLocks noGrp="1"/>
           </p:cNvSpPr>
@@ -697,7 +697,7 @@
       </p:sp>
       <p:sp>
         <p:nvSpPr>
-          <p:cNvPr id="5" name="PlaceHolder 2"/>
+          <p:cNvPr id="3" name="PlaceHolder 2"/>
           <p:cNvSpPr>
             <a:spLocks noGrp="1"/>
           </p:cNvSpPr>
@@ -755,7 +755,7 @@
       </p:grpSpPr>
       <p:sp>
         <p:nvSpPr>
-          <p:cNvPr id="6" name="PlaceHolder 1"/>
+          <p:cNvPr id="4" name="PlaceHolder 1"/>
           <p:cNvSpPr>
             <a:spLocks noGrp="1"/>
           </p:cNvSpPr>
@@ -792,7 +792,7 @@
       </p:sp>
       <p:sp>
         <p:nvSpPr>
-          <p:cNvPr id="7" name="PlaceHolder 2"/>
+          <p:cNvPr id="5" name="PlaceHolder 2"/>
           <p:cNvSpPr>
             <a:spLocks noGrp="1"/>
           </p:cNvSpPr>
@@ -828,7 +828,7 @@
       </p:sp>
       <p:sp>
         <p:nvSpPr>
-          <p:cNvPr id="8" name="PlaceHolder 3"/>
+          <p:cNvPr id="6" name="PlaceHolder 3"/>
           <p:cNvSpPr>
             <a:spLocks noGrp="1"/>
           </p:cNvSpPr>
@@ -886,7 +886,7 @@
       </p:grpSpPr>
       <p:sp>
         <p:nvSpPr>
-          <p:cNvPr id="9" name="PlaceHolder 1"/>
+          <p:cNvPr id="7" name="PlaceHolder 1"/>
           <p:cNvSpPr>
             <a:spLocks noGrp="1"/>
           </p:cNvSpPr>
@@ -945,7 +945,7 @@
       </p:grpSpPr>
       <p:sp>
         <p:nvSpPr>
-          <p:cNvPr id="10" name="PlaceHolder 1"/>
+          <p:cNvPr id="8" name="PlaceHolder 1"/>
           <p:cNvSpPr>
             <a:spLocks noGrp="1"/>
           </p:cNvSpPr>
@@ -1004,7 +1004,7 @@
       </p:grpSpPr>
       <p:sp>
         <p:nvSpPr>
-          <p:cNvPr id="11" name="PlaceHolder 1"/>
+          <p:cNvPr id="9" name="PlaceHolder 1"/>
           <p:cNvSpPr>
             <a:spLocks noGrp="1"/>
           </p:cNvSpPr>
@@ -1041,7 +1041,7 @@
       </p:sp>
       <p:sp>
         <p:nvSpPr>
-          <p:cNvPr id="12" name="PlaceHolder 2"/>
+          <p:cNvPr id="10" name="PlaceHolder 2"/>
           <p:cNvSpPr>
             <a:spLocks noGrp="1"/>
           </p:cNvSpPr>
@@ -1077,7 +1077,7 @@
       </p:sp>
       <p:sp>
         <p:nvSpPr>
-          <p:cNvPr id="13" name="PlaceHolder 3"/>
+          <p:cNvPr id="11" name="PlaceHolder 3"/>
           <p:cNvSpPr>
             <a:spLocks noGrp="1"/>
           </p:cNvSpPr>
@@ -1113,7 +1113,7 @@
       </p:sp>
       <p:sp>
         <p:nvSpPr>
-          <p:cNvPr id="14" name="PlaceHolder 4"/>
+          <p:cNvPr id="12" name="PlaceHolder 4"/>
           <p:cNvSpPr>
             <a:spLocks noGrp="1"/>
           </p:cNvSpPr>
@@ -1171,7 +1171,7 @@
       </p:grpSpPr>
       <p:sp>
         <p:nvSpPr>
-          <p:cNvPr id="15" name="PlaceHolder 1"/>
+          <p:cNvPr id="13" name="PlaceHolder 1"/>
           <p:cNvSpPr>
             <a:spLocks noGrp="1"/>
           </p:cNvSpPr>
@@ -1208,7 +1208,7 @@
       </p:sp>
       <p:sp>
         <p:nvSpPr>
-          <p:cNvPr id="16" name="PlaceHolder 2"/>
+          <p:cNvPr id="14" name="PlaceHolder 2"/>
           <p:cNvSpPr>
             <a:spLocks noGrp="1"/>
           </p:cNvSpPr>
@@ -1244,7 +1244,7 @@
       </p:sp>
       <p:sp>
         <p:nvSpPr>
-          <p:cNvPr id="17" name="PlaceHolder 3"/>
+          <p:cNvPr id="15" name="PlaceHolder 3"/>
           <p:cNvSpPr>
             <a:spLocks noGrp="1"/>
           </p:cNvSpPr>
@@ -1280,7 +1280,7 @@
       </p:sp>
       <p:sp>
         <p:nvSpPr>
-          <p:cNvPr id="18" name="PlaceHolder 4"/>
+          <p:cNvPr id="16" name="PlaceHolder 4"/>
           <p:cNvSpPr>
             <a:spLocks noGrp="1"/>
           </p:cNvSpPr>
@@ -1338,7 +1338,7 @@
       </p:grpSpPr>
       <p:sp>
         <p:nvSpPr>
-          <p:cNvPr id="19" name="PlaceHolder 1"/>
+          <p:cNvPr id="17" name="PlaceHolder 1"/>
           <p:cNvSpPr>
             <a:spLocks noGrp="1"/>
           </p:cNvSpPr>
@@ -1375,7 +1375,7 @@
       </p:sp>
       <p:sp>
         <p:nvSpPr>
-          <p:cNvPr id="20" name="PlaceHolder 2"/>
+          <p:cNvPr id="18" name="PlaceHolder 2"/>
           <p:cNvSpPr>
             <a:spLocks noGrp="1"/>
           </p:cNvSpPr>
@@ -1411,7 +1411,7 @@
       </p:sp>
       <p:sp>
         <p:nvSpPr>
-          <p:cNvPr id="21" name="PlaceHolder 3"/>
+          <p:cNvPr id="19" name="PlaceHolder 3"/>
           <p:cNvSpPr>
             <a:spLocks noGrp="1"/>
           </p:cNvSpPr>
@@ -1447,7 +1447,7 @@
       </p:sp>
       <p:sp>
         <p:nvSpPr>
-          <p:cNvPr id="22" name="PlaceHolder 4"/>
+          <p:cNvPr id="20" name="PlaceHolder 4"/>
           <p:cNvSpPr>
             <a:spLocks noGrp="1"/>
           </p:cNvSpPr>
@@ -1510,325 +1510,6 @@
           <a:chExt cx="0" cy="0"/>
         </a:xfrm>
       </p:grpSpPr>
-      <p:sp>
-        <p:nvSpPr>
-          <p:cNvPr id="0" name="PlaceHolder 1"/>
-          <p:cNvSpPr>
-            <a:spLocks noGrp="1"/>
-          </p:cNvSpPr>
-          <p:nvPr>
-            <p:ph type="title"/>
-          </p:nvPr>
-        </p:nvSpPr>
-        <p:spPr>
-          <a:xfrm>
-            <a:off x="1620000" y="1723680"/>
-            <a:ext cx="29162880" cy="7215120"/>
-          </a:xfrm>
-          <a:prstGeom prst="rect">
-            <a:avLst/>
-          </a:prstGeom>
-        </p:spPr>
-        <p:txBody>
-          <a:bodyPr lIns="0" rIns="0" tIns="0" bIns="0" anchor="ctr"/>
-          <a:p>
-            <a:pPr algn="ctr"/>
-            <a:r>
-              <a:rPr b="0" lang="pt-BR" sz="4400" spc="-1" strike="noStrike">
-                <a:solidFill>
-                  <a:srgbClr val="000000"/>
-                </a:solidFill>
-                <a:uFill>
-                  <a:solidFill>
-                    <a:srgbClr val="ffffff"/>
-                  </a:solidFill>
-                </a:uFill>
-                <a:latin typeface="Arial"/>
-              </a:rPr>
-              <a:t>Click to edit the title text format</a:t>
-            </a:r>
-            <a:endParaRPr b="0" lang="pt-BR" sz="4400" spc="-1" strike="noStrike">
-              <a:solidFill>
-                <a:srgbClr val="000000"/>
-              </a:solidFill>
-              <a:uFill>
-                <a:solidFill>
-                  <a:srgbClr val="ffffff"/>
-                </a:solidFill>
-              </a:uFill>
-              <a:latin typeface="Arial"/>
-            </a:endParaRPr>
-          </a:p>
-        </p:txBody>
-      </p:sp>
-      <p:sp>
-        <p:nvSpPr>
-          <p:cNvPr id="1" name="PlaceHolder 2"/>
-          <p:cNvSpPr>
-            <a:spLocks noGrp="1"/>
-          </p:cNvSpPr>
-          <p:nvPr>
-            <p:ph type="body"/>
-          </p:nvPr>
-        </p:nvSpPr>
-        <p:spPr>
-          <a:xfrm>
-            <a:off x="1620000" y="10110240"/>
-            <a:ext cx="29162880" cy="25059600"/>
-          </a:xfrm>
-          <a:prstGeom prst="rect">
-            <a:avLst/>
-          </a:prstGeom>
-        </p:spPr>
-        <p:txBody>
-          <a:bodyPr lIns="0" rIns="0" tIns="0" bIns="0"/>
-          <a:p>
-            <a:pPr marL="432000" indent="-324000">
-              <a:buClr>
-                <a:srgbClr val="000000"/>
-              </a:buClr>
-              <a:buSzPct val="45000"/>
-              <a:buFont typeface="Wingdings" charset="2"/>
-              <a:buChar char=""/>
-            </a:pPr>
-            <a:r>
-              <a:rPr b="0" lang="pt-BR" sz="3200" spc="-1" strike="noStrike">
-                <a:solidFill>
-                  <a:srgbClr val="000000"/>
-                </a:solidFill>
-                <a:uFill>
-                  <a:solidFill>
-                    <a:srgbClr val="ffffff"/>
-                  </a:solidFill>
-                </a:uFill>
-                <a:latin typeface="Arial"/>
-              </a:rPr>
-              <a:t>Click to edit the outline text format</a:t>
-            </a:r>
-            <a:endParaRPr b="0" lang="pt-BR" sz="3200" spc="-1" strike="noStrike">
-              <a:solidFill>
-                <a:srgbClr val="000000"/>
-              </a:solidFill>
-              <a:uFill>
-                <a:solidFill>
-                  <a:srgbClr val="ffffff"/>
-                </a:solidFill>
-              </a:uFill>
-              <a:latin typeface="Arial"/>
-            </a:endParaRPr>
-          </a:p>
-          <a:p>
-            <a:pPr lvl="1" marL="864000" indent="-324000">
-              <a:buClr>
-                <a:srgbClr val="000000"/>
-              </a:buClr>
-              <a:buSzPct val="75000"/>
-              <a:buFont typeface="Symbol" charset="2"/>
-              <a:buChar char=""/>
-            </a:pPr>
-            <a:r>
-              <a:rPr b="0" lang="pt-BR" sz="2800" spc="-1" strike="noStrike">
-                <a:solidFill>
-                  <a:srgbClr val="000000"/>
-                </a:solidFill>
-                <a:uFill>
-                  <a:solidFill>
-                    <a:srgbClr val="ffffff"/>
-                  </a:solidFill>
-                </a:uFill>
-                <a:latin typeface="Arial"/>
-              </a:rPr>
-              <a:t>Second Outline Level</a:t>
-            </a:r>
-            <a:endParaRPr b="0" lang="pt-BR" sz="2800" spc="-1" strike="noStrike">
-              <a:solidFill>
-                <a:srgbClr val="000000"/>
-              </a:solidFill>
-              <a:uFill>
-                <a:solidFill>
-                  <a:srgbClr val="ffffff"/>
-                </a:solidFill>
-              </a:uFill>
-              <a:latin typeface="Arial"/>
-            </a:endParaRPr>
-          </a:p>
-          <a:p>
-            <a:pPr lvl="2" marL="1296000" indent="-288000">
-              <a:buClr>
-                <a:srgbClr val="000000"/>
-              </a:buClr>
-              <a:buSzPct val="45000"/>
-              <a:buFont typeface="Wingdings" charset="2"/>
-              <a:buChar char=""/>
-            </a:pPr>
-            <a:r>
-              <a:rPr b="0" lang="pt-BR" sz="2400" spc="-1" strike="noStrike">
-                <a:solidFill>
-                  <a:srgbClr val="000000"/>
-                </a:solidFill>
-                <a:uFill>
-                  <a:solidFill>
-                    <a:srgbClr val="ffffff"/>
-                  </a:solidFill>
-                </a:uFill>
-                <a:latin typeface="Arial"/>
-              </a:rPr>
-              <a:t>Third Outline Level</a:t>
-            </a:r>
-            <a:endParaRPr b="0" lang="pt-BR" sz="2400" spc="-1" strike="noStrike">
-              <a:solidFill>
-                <a:srgbClr val="000000"/>
-              </a:solidFill>
-              <a:uFill>
-                <a:solidFill>
-                  <a:srgbClr val="ffffff"/>
-                </a:solidFill>
-              </a:uFill>
-              <a:latin typeface="Arial"/>
-            </a:endParaRPr>
-          </a:p>
-          <a:p>
-            <a:pPr lvl="3" marL="1728000" indent="-216000">
-              <a:buClr>
-                <a:srgbClr val="000000"/>
-              </a:buClr>
-              <a:buSzPct val="75000"/>
-              <a:buFont typeface="Symbol" charset="2"/>
-              <a:buChar char=""/>
-            </a:pPr>
-            <a:r>
-              <a:rPr b="0" lang="pt-BR" sz="2000" spc="-1" strike="noStrike">
-                <a:solidFill>
-                  <a:srgbClr val="000000"/>
-                </a:solidFill>
-                <a:uFill>
-                  <a:solidFill>
-                    <a:srgbClr val="ffffff"/>
-                  </a:solidFill>
-                </a:uFill>
-                <a:latin typeface="Arial"/>
-              </a:rPr>
-              <a:t>Fourth Outline Level</a:t>
-            </a:r>
-            <a:endParaRPr b="0" lang="pt-BR" sz="2000" spc="-1" strike="noStrike">
-              <a:solidFill>
-                <a:srgbClr val="000000"/>
-              </a:solidFill>
-              <a:uFill>
-                <a:solidFill>
-                  <a:srgbClr val="ffffff"/>
-                </a:solidFill>
-              </a:uFill>
-              <a:latin typeface="Arial"/>
-            </a:endParaRPr>
-          </a:p>
-          <a:p>
-            <a:pPr lvl="4" marL="2160000" indent="-216000">
-              <a:buClr>
-                <a:srgbClr val="000000"/>
-              </a:buClr>
-              <a:buSzPct val="45000"/>
-              <a:buFont typeface="Wingdings" charset="2"/>
-              <a:buChar char=""/>
-            </a:pPr>
-            <a:r>
-              <a:rPr b="0" lang="pt-BR" sz="2000" spc="-1" strike="noStrike">
-                <a:solidFill>
-                  <a:srgbClr val="000000"/>
-                </a:solidFill>
-                <a:uFill>
-                  <a:solidFill>
-                    <a:srgbClr val="ffffff"/>
-                  </a:solidFill>
-                </a:uFill>
-                <a:latin typeface="Arial"/>
-              </a:rPr>
-              <a:t>Fifth Outline Level</a:t>
-            </a:r>
-            <a:endParaRPr b="0" lang="pt-BR" sz="2000" spc="-1" strike="noStrike">
-              <a:solidFill>
-                <a:srgbClr val="000000"/>
-              </a:solidFill>
-              <a:uFill>
-                <a:solidFill>
-                  <a:srgbClr val="ffffff"/>
-                </a:solidFill>
-              </a:uFill>
-              <a:latin typeface="Arial"/>
-            </a:endParaRPr>
-          </a:p>
-          <a:p>
-            <a:pPr lvl="5" marL="2592000" indent="-216000">
-              <a:buClr>
-                <a:srgbClr val="000000"/>
-              </a:buClr>
-              <a:buSzPct val="45000"/>
-              <a:buFont typeface="Wingdings" charset="2"/>
-              <a:buChar char=""/>
-            </a:pPr>
-            <a:r>
-              <a:rPr b="0" lang="pt-BR" sz="2000" spc="-1" strike="noStrike">
-                <a:solidFill>
-                  <a:srgbClr val="000000"/>
-                </a:solidFill>
-                <a:uFill>
-                  <a:solidFill>
-                    <a:srgbClr val="ffffff"/>
-                  </a:solidFill>
-                </a:uFill>
-                <a:latin typeface="Arial"/>
-              </a:rPr>
-              <a:t>Sixth Outline Level</a:t>
-            </a:r>
-            <a:endParaRPr b="0" lang="pt-BR" sz="2000" spc="-1" strike="noStrike">
-              <a:solidFill>
-                <a:srgbClr val="000000"/>
-              </a:solidFill>
-              <a:uFill>
-                <a:solidFill>
-                  <a:srgbClr val="ffffff"/>
-                </a:solidFill>
-              </a:uFill>
-              <a:latin typeface="Arial"/>
-            </a:endParaRPr>
-          </a:p>
-          <a:p>
-            <a:pPr lvl="6" marL="3024000" indent="-216000">
-              <a:buClr>
-                <a:srgbClr val="000000"/>
-              </a:buClr>
-              <a:buSzPct val="45000"/>
-              <a:buFont typeface="Wingdings" charset="2"/>
-              <a:buChar char=""/>
-            </a:pPr>
-            <a:r>
-              <a:rPr b="0" lang="pt-BR" sz="2000" spc="-1" strike="noStrike">
-                <a:solidFill>
-                  <a:srgbClr val="000000"/>
-                </a:solidFill>
-                <a:uFill>
-                  <a:solidFill>
-                    <a:srgbClr val="ffffff"/>
-                  </a:solidFill>
-                </a:uFill>
-                <a:latin typeface="Arial"/>
-              </a:rPr>
-              <a:t>Seventh Outline Level</a:t>
-            </a:r>
-            <a:endParaRPr b="0" lang="pt-BR" sz="2000" spc="-1" strike="noStrike">
-              <a:solidFill>
-                <a:srgbClr val="000000"/>
-              </a:solidFill>
-              <a:uFill>
-                <a:solidFill>
-                  <a:srgbClr val="ffffff"/>
-                </a:solidFill>
-              </a:uFill>
-              <a:latin typeface="Arial"/>
-            </a:endParaRPr>
-          </a:p>
-        </p:txBody>
-      </p:sp>
     </p:spTree>
   </p:cSld>
   <p:clrMap bg1="lt1" bg2="lt2" tx1="dk1" tx2="dk2" accent1="accent1" accent2="accent2" accent3="accent3" accent4="accent4" accent5="accent5" accent6="accent6" hlink="hlink" folHlink="folHlink"/>
@@ -1868,14 +1549,14 @@
       </p:grpSpPr>
       <p:sp>
         <p:nvSpPr>
-          <p:cNvPr id="36" name="CustomShape 1"/>
+          <p:cNvPr id="34" name="CustomShape 1"/>
           <p:cNvSpPr/>
           <p:nvPr/>
         </p:nvSpPr>
         <p:spPr>
           <a:xfrm>
             <a:off x="1743120" y="39168000"/>
-            <a:ext cx="9092880" cy="2052360"/>
+            <a:ext cx="9092520" cy="2052000"/>
           </a:xfrm>
           <a:prstGeom prst="rect">
             <a:avLst/>
@@ -1894,7 +1575,11 @@
         <p:txBody>
           <a:bodyPr wrap="none" lIns="90000" rIns="90000" tIns="45000" bIns="45000"/>
           <a:p>
-            <a:pPr algn="ctr"/>
+            <a:pPr algn="ctr">
+              <a:lnSpc>
+                <a:spcPct val="100000"/>
+              </a:lnSpc>
+            </a:pPr>
             <a:r>
               <a:rPr b="0" lang="pt-BR" sz="4000" spc="-1" strike="noStrike">
                 <a:solidFill>
@@ -1923,7 +1608,11 @@
             </a:endParaRPr>
           </a:p>
           <a:p>
-            <a:pPr algn="ctr"/>
+            <a:pPr algn="ctr">
+              <a:lnSpc>
+                <a:spcPct val="100000"/>
+              </a:lnSpc>
+            </a:pPr>
             <a:r>
               <a:rPr b="0" lang="pt-BR" sz="4000" spc="-1" strike="noStrike">
                 <a:solidFill>
@@ -1988,14 +1677,14 @@
       </p:sp>
       <p:sp>
         <p:nvSpPr>
-          <p:cNvPr id="37" name="CustomShape 2"/>
+          <p:cNvPr id="35" name="CustomShape 2"/>
           <p:cNvSpPr/>
           <p:nvPr/>
         </p:nvSpPr>
         <p:spPr>
           <a:xfrm>
             <a:off x="11772000" y="39168000"/>
-            <a:ext cx="9092880" cy="2052360"/>
+            <a:ext cx="9092520" cy="2052000"/>
           </a:xfrm>
           <a:prstGeom prst="rect">
             <a:avLst/>
@@ -2014,7 +1703,11 @@
         <p:txBody>
           <a:bodyPr wrap="none" lIns="90000" rIns="90000" tIns="45000" bIns="45000"/>
           <a:p>
-            <a:pPr algn="ctr"/>
+            <a:pPr algn="ctr">
+              <a:lnSpc>
+                <a:spcPct val="100000"/>
+              </a:lnSpc>
+            </a:pPr>
             <a:r>
               <a:rPr b="0" lang="pt-BR" sz="4000" spc="-1" strike="noStrike">
                 <a:solidFill>
@@ -2043,7 +1736,11 @@
             </a:endParaRPr>
           </a:p>
           <a:p>
-            <a:pPr algn="ctr"/>
+            <a:pPr algn="ctr">
+              <a:lnSpc>
+                <a:spcPct val="100000"/>
+              </a:lnSpc>
+            </a:pPr>
             <a:r>
               <a:rPr b="0" lang="pt-BR" sz="4000" spc="-1" strike="noStrike">
                 <a:solidFill>
@@ -2108,14 +1805,14 @@
       </p:sp>
       <p:sp>
         <p:nvSpPr>
-          <p:cNvPr id="38" name="CustomShape 3"/>
+          <p:cNvPr id="36" name="CustomShape 3"/>
           <p:cNvSpPr/>
           <p:nvPr/>
         </p:nvSpPr>
         <p:spPr>
           <a:xfrm>
             <a:off x="21398760" y="39168000"/>
-            <a:ext cx="9092880" cy="2052360"/>
+            <a:ext cx="9092520" cy="2052000"/>
           </a:xfrm>
           <a:prstGeom prst="rect">
             <a:avLst/>
@@ -2134,7 +1831,11 @@
         <p:txBody>
           <a:bodyPr wrap="none" lIns="90000" rIns="90000" tIns="45000" bIns="45000"/>
           <a:p>
-            <a:pPr algn="ctr"/>
+            <a:pPr algn="ctr">
+              <a:lnSpc>
+                <a:spcPct val="100000"/>
+              </a:lnSpc>
+            </a:pPr>
             <a:r>
               <a:rPr b="0" lang="pt-BR" sz="4000" spc="-1" strike="noStrike">
                 <a:solidFill>
@@ -2163,7 +1864,11 @@
             </a:endParaRPr>
           </a:p>
           <a:p>
-            <a:pPr algn="ctr"/>
+            <a:pPr algn="ctr">
+              <a:lnSpc>
+                <a:spcPct val="100000"/>
+              </a:lnSpc>
+            </a:pPr>
             <a:r>
               <a:rPr b="0" lang="pt-BR" sz="4000" spc="-1" strike="noStrike">
                 <a:solidFill>
@@ -2228,14 +1933,14 @@
       </p:sp>
       <p:sp>
         <p:nvSpPr>
-          <p:cNvPr id="39" name="CustomShape 4"/>
+          <p:cNvPr id="37" name="CustomShape 4"/>
           <p:cNvSpPr/>
           <p:nvPr/>
         </p:nvSpPr>
         <p:spPr>
           <a:xfrm>
             <a:off x="2037240" y="7657200"/>
-            <a:ext cx="28361520" cy="5495400"/>
+            <a:ext cx="28361160" cy="5495040"/>
           </a:xfrm>
           <a:prstGeom prst="rect">
             <a:avLst/>
@@ -2254,7 +1959,11 @@
         <p:txBody>
           <a:bodyPr lIns="109080" rIns="109080" tIns="54720" bIns="54720"/>
           <a:p>
-            <a:pPr algn="ctr"/>
+            <a:pPr algn="ctr">
+              <a:lnSpc>
+                <a:spcPct val="100000"/>
+              </a:lnSpc>
+            </a:pPr>
             <a:r>
               <a:rPr b="0" lang="pt-BR" sz="9600" spc="-1" strike="noStrike">
                 <a:solidFill>
@@ -2319,7 +2028,7 @@
       </p:sp>
       <p:pic>
         <p:nvPicPr>
-          <p:cNvPr id="40" name="Picture 2" descr=""/>
+          <p:cNvPr id="38" name="Picture 2" descr=""/>
           <p:cNvPicPr/>
           <p:nvPr/>
         </p:nvPicPr>
@@ -2331,7 +2040,7 @@
         <p:spPr>
           <a:xfrm>
             <a:off x="2037240" y="2952360"/>
-            <a:ext cx="4753800" cy="2435040"/>
+            <a:ext cx="4753440" cy="2434680"/>
           </a:xfrm>
           <a:prstGeom prst="rect">
             <a:avLst/>
@@ -2343,14 +2052,14 @@
       </p:pic>
       <p:sp>
         <p:nvSpPr>
-          <p:cNvPr id="41" name="CustomShape 5"/>
+          <p:cNvPr id="39" name="CustomShape 5"/>
           <p:cNvSpPr/>
           <p:nvPr/>
         </p:nvSpPr>
         <p:spPr>
           <a:xfrm>
             <a:off x="0" y="42397560"/>
-            <a:ext cx="32402880" cy="808200"/>
+            <a:ext cx="32402520" cy="807840"/>
           </a:xfrm>
           <a:prstGeom prst="rect">
             <a:avLst/>
@@ -2384,14 +2093,14 @@
       </p:sp>
       <p:sp>
         <p:nvSpPr>
-          <p:cNvPr id="42" name="CustomShape 6"/>
+          <p:cNvPr id="40" name="CustomShape 6"/>
           <p:cNvSpPr/>
           <p:nvPr/>
         </p:nvSpPr>
         <p:spPr>
           <a:xfrm>
             <a:off x="16920000" y="42432120"/>
-            <a:ext cx="8413200" cy="771480"/>
+            <a:ext cx="8412840" cy="771120"/>
           </a:xfrm>
           <a:prstGeom prst="rect">
             <a:avLst/>
@@ -2407,53 +2116,17 @@
           <a:effectRef idx="0"/>
           <a:fontRef idx="minor"/>
         </p:style>
-        <p:txBody>
-          <a:bodyPr lIns="109080" rIns="109080" tIns="54720" bIns="54720"/>
-          <a:p>
-            <a:pPr>
-              <a:lnSpc>
-                <a:spcPct val="100000"/>
-              </a:lnSpc>
-            </a:pPr>
-            <a:r>
-              <a:rPr b="0" lang="pt-BR" sz="4000" spc="-1" strike="noStrike">
-                <a:solidFill>
-                  <a:srgbClr val="ffffff"/>
-                </a:solidFill>
-                <a:uFill>
-                  <a:solidFill>
-                    <a:srgbClr val="ffffff"/>
-                  </a:solidFill>
-                </a:uFill>
-                <a:latin typeface="Calibri"/>
-                <a:ea typeface="Calibri"/>
-              </a:rPr>
-              <a:t>Entre em contato pelo e-mail:</a:t>
-            </a:r>
-            <a:endParaRPr b="0" lang="pt-BR" sz="1800" spc="-1" strike="noStrike">
-              <a:solidFill>
-                <a:srgbClr val="000000"/>
-              </a:solidFill>
-              <a:uFill>
-                <a:solidFill>
-                  <a:srgbClr val="ffffff"/>
-                </a:solidFill>
-              </a:uFill>
-              <a:latin typeface="Arial"/>
-            </a:endParaRPr>
-          </a:p>
-        </p:txBody>
-      </p:sp>
-      <p:sp>
-        <p:nvSpPr>
-          <p:cNvPr id="43" name="CustomShape 7"/>
+      </p:sp>
+      <p:sp>
+        <p:nvSpPr>
+          <p:cNvPr id="41" name="CustomShape 7"/>
           <p:cNvSpPr/>
           <p:nvPr/>
         </p:nvSpPr>
         <p:spPr>
           <a:xfrm>
             <a:off x="25025760" y="42428160"/>
-            <a:ext cx="6825240" cy="716400"/>
+            <a:ext cx="6824880" cy="716040"/>
           </a:xfrm>
           <a:prstGeom prst="rect">
             <a:avLst/>
@@ -2469,53 +2142,17 @@
           <a:effectRef idx="0"/>
           <a:fontRef idx="minor"/>
         </p:style>
-        <p:txBody>
-          <a:bodyPr lIns="109080" rIns="109080" tIns="54720" bIns="54720"/>
-          <a:p>
-            <a:pPr>
-              <a:lnSpc>
-                <a:spcPct val="100000"/>
-              </a:lnSpc>
-            </a:pPr>
-            <a:r>
-              <a:rPr b="1" lang="pt-BR" sz="4000" spc="-1" strike="noStrike">
-                <a:solidFill>
-                  <a:srgbClr val="ffffff"/>
-                </a:solidFill>
-                <a:uFill>
-                  <a:solidFill>
-                    <a:srgbClr val="ffffff"/>
-                  </a:solidFill>
-                </a:uFill>
-                <a:latin typeface="Calibri"/>
-                <a:ea typeface="Calibri"/>
-              </a:rPr>
-              <a:t>fabio@inf.ufg.br</a:t>
-            </a:r>
-            <a:endParaRPr b="0" lang="pt-BR" sz="1800" spc="-1" strike="noStrike">
-              <a:solidFill>
-                <a:srgbClr val="000000"/>
-              </a:solidFill>
-              <a:uFill>
-                <a:solidFill>
-                  <a:srgbClr val="ffffff"/>
-                </a:solidFill>
-              </a:uFill>
-              <a:latin typeface="Arial"/>
-            </a:endParaRPr>
-          </a:p>
-        </p:txBody>
-      </p:sp>
-      <p:sp>
-        <p:nvSpPr>
-          <p:cNvPr id="44" name="CustomShape 8"/>
+      </p:sp>
+      <p:sp>
+        <p:nvSpPr>
+          <p:cNvPr id="42" name="CustomShape 8"/>
           <p:cNvSpPr/>
           <p:nvPr/>
         </p:nvSpPr>
         <p:spPr>
           <a:xfrm>
             <a:off x="0" y="-6840"/>
-            <a:ext cx="32402880" cy="808200"/>
+            <a:ext cx="32402520" cy="807840"/>
           </a:xfrm>
           <a:prstGeom prst="rect">
             <a:avLst/>
@@ -2549,14 +2186,14 @@
       </p:sp>
       <p:sp>
         <p:nvSpPr>
-          <p:cNvPr id="45" name="CustomShape 9"/>
+          <p:cNvPr id="43" name="CustomShape 9"/>
           <p:cNvSpPr/>
           <p:nvPr/>
         </p:nvSpPr>
         <p:spPr>
           <a:xfrm>
             <a:off x="8292960" y="2491560"/>
-            <a:ext cx="17714880" cy="3808080"/>
+            <a:ext cx="17714520" cy="3807720"/>
           </a:xfrm>
           <a:prstGeom prst="rect">
             <a:avLst/>
@@ -2611,14 +2248,14 @@
       </p:sp>
       <p:sp>
         <p:nvSpPr>
-          <p:cNvPr id="46" name="CustomShape 10"/>
+          <p:cNvPr id="44" name="CustomShape 10"/>
           <p:cNvSpPr/>
           <p:nvPr/>
         </p:nvSpPr>
         <p:spPr>
           <a:xfrm>
             <a:off x="2786760" y="36791280"/>
-            <a:ext cx="12764880" cy="1332360"/>
+            <a:ext cx="12764520" cy="1332000"/>
           </a:xfrm>
           <a:prstGeom prst="rect">
             <a:avLst/>
@@ -2673,14 +2310,14 @@
       </p:sp>
       <p:sp>
         <p:nvSpPr>
-          <p:cNvPr id="47" name="CustomShape 11"/>
+          <p:cNvPr id="45" name="CustomShape 11"/>
           <p:cNvSpPr/>
           <p:nvPr/>
         </p:nvSpPr>
         <p:spPr>
           <a:xfrm>
             <a:off x="2927520" y="34644240"/>
-            <a:ext cx="3028680" cy="699120"/>
+            <a:ext cx="3028320" cy="698760"/>
           </a:xfrm>
           <a:prstGeom prst="rect">
             <a:avLst/>
@@ -2697,39 +2334,16 @@
           <a:fontRef idx="minor"/>
         </p:style>
       </p:sp>
-      <p:pic>
-        <p:nvPicPr>
-          <p:cNvPr id="48" name="Picture 12" descr=""/>
-          <p:cNvPicPr/>
-          <p:nvPr/>
-        </p:nvPicPr>
-        <p:blipFill>
-          <a:blip r:embed="rId2"/>
-          <a:stretch/>
-        </p:blipFill>
-        <p:spPr>
-          <a:xfrm>
-            <a:off x="27679320" y="2451960"/>
-            <a:ext cx="2719440" cy="3435480"/>
-          </a:xfrm>
-          <a:prstGeom prst="rect">
-            <a:avLst/>
-          </a:prstGeom>
-          <a:ln>
-            <a:noFill/>
-          </a:ln>
-        </p:spPr>
-      </p:pic>
-      <p:sp>
-        <p:nvSpPr>
-          <p:cNvPr id="49" name="CustomShape 12"/>
+      <p:sp>
+        <p:nvSpPr>
+          <p:cNvPr id="46" name="CustomShape 12"/>
           <p:cNvSpPr/>
           <p:nvPr/>
         </p:nvSpPr>
         <p:spPr>
           <a:xfrm>
             <a:off x="2037240" y="12864240"/>
-            <a:ext cx="28361520" cy="5495400"/>
+            <a:ext cx="28361160" cy="5495040"/>
           </a:xfrm>
           <a:prstGeom prst="rect">
             <a:avLst/>
@@ -2798,7 +2412,7 @@
               </a:rPr>
               <a:t> define informações e fornece orientações para a identificação de indivíduos em um ambiente de assistência à saúde. O desenvolvimento de sistemas de informação em saúde é beneficiado pelo rica análise de cenários a serem contemplados na identificação de pacientes. O modelo conceitual abaixo foi produzido a partir desta norma, assim como um modelo lógico e outro físico, indispensável para o armazenamento de tais dados em conformidade com tal norma. </a:t>
             </a:r>
-            <a:endParaRPr b="0" lang="pt-BR" sz="6000" spc="-1" strike="noStrike">
+            <a:endParaRPr b="0" lang="pt-BR" sz="1800" spc="-1" strike="noStrike">
               <a:solidFill>
                 <a:srgbClr val="000000"/>
               </a:solidFill>
@@ -2814,18 +2428,18 @@
       </p:sp>
       <p:pic>
         <p:nvPicPr>
-          <p:cNvPr id="50" name="" descr=""/>
+          <p:cNvPr id="47" name="" descr=""/>
           <p:cNvPicPr/>
           <p:nvPr/>
         </p:nvPicPr>
         <p:blipFill>
-          <a:blip r:embed="rId3"/>
+          <a:blip r:embed="rId2"/>
           <a:stretch/>
         </p:blipFill>
         <p:spPr>
           <a:xfrm>
             <a:off x="5688000" y="21510000"/>
-            <a:ext cx="21835440" cy="14380200"/>
+            <a:ext cx="21835080" cy="14379840"/>
           </a:xfrm>
           <a:prstGeom prst="rect">
             <a:avLst/>
